--- a/new-module-staging-area/Explainability/ETHICS-Ethics-Explainability-AIX360.pptx
+++ b/new-module-staging-area/Explainability/ETHICS-Ethics-Explainability-AIX360.pptx
@@ -11963,19 +11963,7 @@
               <a:rPr lang="en-US" dirty="0">
                 <a:cs typeface="Calibri"/>
               </a:rPr>
-              <a:t>and to </a:t>
-            </a:r>
-            <a:r>
-              <a:rPr lang="en-US" dirty="0" err="1">
-                <a:cs typeface="Calibri"/>
-              </a:rPr>
-              <a:t>deomnstrate</a:t>
-            </a:r>
-            <a:r>
-              <a:rPr lang="en-US" dirty="0">
-                <a:cs typeface="Calibri"/>
-              </a:rPr>
-              <a:t> how to use a few of the algorithms in the toolkit. </a:t>
+              <a:t>to demonstrate how to use a few of the algorithms in the toolkit. </a:t>
             </a:r>
             <a:endParaRPr lang="en-US" dirty="0">
               <a:ea typeface="Calibri"/>
